--- a/project02/src/main/webapp/file/spring mvc.pptx
+++ b/project02/src/main/webapp/file/spring mvc.pptx
@@ -288,7 +288,7 @@
           <a:p>
             <a:fld id="{AF04781F-B829-43B1-8F2A-22A606638E49}" type="datetimeFigureOut">
               <a:rPr lang="ko-KR" altLang="en-US" smtClean="0"/>
-              <a:t>2016-11-10</a:t>
+              <a:t>2016-11-11</a:t>
             </a:fld>
             <a:endParaRPr lang="ko-KR" altLang="en-US"/>
           </a:p>
@@ -458,7 +458,7 @@
           <a:p>
             <a:fld id="{AF04781F-B829-43B1-8F2A-22A606638E49}" type="datetimeFigureOut">
               <a:rPr lang="ko-KR" altLang="en-US" smtClean="0"/>
-              <a:t>2016-11-10</a:t>
+              <a:t>2016-11-11</a:t>
             </a:fld>
             <a:endParaRPr lang="ko-KR" altLang="en-US"/>
           </a:p>
@@ -638,7 +638,7 @@
           <a:p>
             <a:fld id="{AF04781F-B829-43B1-8F2A-22A606638E49}" type="datetimeFigureOut">
               <a:rPr lang="ko-KR" altLang="en-US" smtClean="0"/>
-              <a:t>2016-11-10</a:t>
+              <a:t>2016-11-11</a:t>
             </a:fld>
             <a:endParaRPr lang="ko-KR" altLang="en-US"/>
           </a:p>
@@ -808,7 +808,7 @@
           <a:p>
             <a:fld id="{AF04781F-B829-43B1-8F2A-22A606638E49}" type="datetimeFigureOut">
               <a:rPr lang="ko-KR" altLang="en-US" smtClean="0"/>
-              <a:t>2016-11-10</a:t>
+              <a:t>2016-11-11</a:t>
             </a:fld>
             <a:endParaRPr lang="ko-KR" altLang="en-US"/>
           </a:p>
@@ -1054,7 +1054,7 @@
           <a:p>
             <a:fld id="{AF04781F-B829-43B1-8F2A-22A606638E49}" type="datetimeFigureOut">
               <a:rPr lang="ko-KR" altLang="en-US" smtClean="0"/>
-              <a:t>2016-11-10</a:t>
+              <a:t>2016-11-11</a:t>
             </a:fld>
             <a:endParaRPr lang="ko-KR" altLang="en-US"/>
           </a:p>
@@ -1342,7 +1342,7 @@
           <a:p>
             <a:fld id="{AF04781F-B829-43B1-8F2A-22A606638E49}" type="datetimeFigureOut">
               <a:rPr lang="ko-KR" altLang="en-US" smtClean="0"/>
-              <a:t>2016-11-10</a:t>
+              <a:t>2016-11-11</a:t>
             </a:fld>
             <a:endParaRPr lang="ko-KR" altLang="en-US"/>
           </a:p>
@@ -1764,7 +1764,7 @@
           <a:p>
             <a:fld id="{AF04781F-B829-43B1-8F2A-22A606638E49}" type="datetimeFigureOut">
               <a:rPr lang="ko-KR" altLang="en-US" smtClean="0"/>
-              <a:t>2016-11-10</a:t>
+              <a:t>2016-11-11</a:t>
             </a:fld>
             <a:endParaRPr lang="ko-KR" altLang="en-US"/>
           </a:p>
@@ -1882,7 +1882,7 @@
           <a:p>
             <a:fld id="{AF04781F-B829-43B1-8F2A-22A606638E49}" type="datetimeFigureOut">
               <a:rPr lang="ko-KR" altLang="en-US" smtClean="0"/>
-              <a:t>2016-11-10</a:t>
+              <a:t>2016-11-11</a:t>
             </a:fld>
             <a:endParaRPr lang="ko-KR" altLang="en-US"/>
           </a:p>
@@ -1977,7 +1977,7 @@
           <a:p>
             <a:fld id="{AF04781F-B829-43B1-8F2A-22A606638E49}" type="datetimeFigureOut">
               <a:rPr lang="ko-KR" altLang="en-US" smtClean="0"/>
-              <a:t>2016-11-10</a:t>
+              <a:t>2016-11-11</a:t>
             </a:fld>
             <a:endParaRPr lang="ko-KR" altLang="en-US"/>
           </a:p>
@@ -2254,7 +2254,7 @@
           <a:p>
             <a:fld id="{AF04781F-B829-43B1-8F2A-22A606638E49}" type="datetimeFigureOut">
               <a:rPr lang="ko-KR" altLang="en-US" smtClean="0"/>
-              <a:t>2016-11-10</a:t>
+              <a:t>2016-11-11</a:t>
             </a:fld>
             <a:endParaRPr lang="ko-KR" altLang="en-US"/>
           </a:p>
@@ -2507,7 +2507,7 @@
           <a:p>
             <a:fld id="{AF04781F-B829-43B1-8F2A-22A606638E49}" type="datetimeFigureOut">
               <a:rPr lang="ko-KR" altLang="en-US" smtClean="0"/>
-              <a:t>2016-11-10</a:t>
+              <a:t>2016-11-11</a:t>
             </a:fld>
             <a:endParaRPr lang="ko-KR" altLang="en-US"/>
           </a:p>
@@ -2720,7 +2720,7 @@
           <a:p>
             <a:fld id="{AF04781F-B829-43B1-8F2A-22A606638E49}" type="datetimeFigureOut">
               <a:rPr lang="ko-KR" altLang="en-US" smtClean="0"/>
-              <a:t>2016-11-10</a:t>
+              <a:t>2016-11-11</a:t>
             </a:fld>
             <a:endParaRPr lang="ko-KR" altLang="en-US"/>
           </a:p>
@@ -3103,7 +3103,7 @@
         </p:nvSpPr>
         <p:spPr>
           <a:xfrm>
-            <a:off x="4152275" y="3681028"/>
+            <a:off x="3869777" y="3448378"/>
             <a:ext cx="3084022" cy="2700300"/>
           </a:xfrm>
           <a:prstGeom prst="rect">
@@ -3154,7 +3154,7 @@
         </p:nvSpPr>
         <p:spPr>
           <a:xfrm>
-            <a:off x="1043608" y="997354"/>
+            <a:off x="776033" y="764704"/>
             <a:ext cx="7900423" cy="2592288"/>
           </a:xfrm>
           <a:prstGeom prst="rect">
@@ -3205,7 +3205,7 @@
         </p:nvSpPr>
         <p:spPr>
           <a:xfrm>
-            <a:off x="1060233" y="3681028"/>
+            <a:off x="777735" y="3448378"/>
             <a:ext cx="3020033" cy="2700300"/>
           </a:xfrm>
           <a:prstGeom prst="rect">
@@ -3256,7 +3256,7 @@
         </p:nvSpPr>
         <p:spPr>
           <a:xfrm>
-            <a:off x="7330909" y="3681028"/>
+            <a:off x="7048411" y="3448378"/>
             <a:ext cx="1613123" cy="2700300"/>
           </a:xfrm>
           <a:prstGeom prst="rect">
@@ -3307,7 +3307,7 @@
         </p:nvSpPr>
         <p:spPr>
           <a:xfrm>
-            <a:off x="1979712" y="1844824"/>
+            <a:off x="1475656" y="1612174"/>
             <a:ext cx="1370302" cy="504056"/>
           </a:xfrm>
           <a:prstGeom prst="roundRect">
@@ -3375,7 +3375,7 @@
         </p:nvSpPr>
         <p:spPr>
           <a:xfrm>
-            <a:off x="4137802" y="1124744"/>
+            <a:off x="3855304" y="892094"/>
             <a:ext cx="1370302" cy="504056"/>
           </a:xfrm>
           <a:prstGeom prst="roundRect">
@@ -3443,7 +3443,7 @@
         </p:nvSpPr>
         <p:spPr>
           <a:xfrm>
-            <a:off x="4139952" y="1844824"/>
+            <a:off x="3857454" y="1612174"/>
             <a:ext cx="1370302" cy="504056"/>
           </a:xfrm>
           <a:prstGeom prst="roundRect">
@@ -3506,7 +3506,7 @@
         </p:nvSpPr>
         <p:spPr>
           <a:xfrm>
-            <a:off x="6439600" y="1124744"/>
+            <a:off x="6157102" y="892094"/>
             <a:ext cx="1697870" cy="504056"/>
           </a:xfrm>
           <a:prstGeom prst="roundRect">
@@ -3569,7 +3569,7 @@
         </p:nvSpPr>
         <p:spPr>
           <a:xfrm>
-            <a:off x="6444208" y="1988840"/>
+            <a:off x="6161710" y="1756190"/>
             <a:ext cx="1707678" cy="504056"/>
           </a:xfrm>
           <a:prstGeom prst="roundRect">
@@ -3654,7 +3654,7 @@
         </p:nvSpPr>
         <p:spPr>
           <a:xfrm>
-            <a:off x="6444208" y="2852936"/>
+            <a:off x="6161710" y="2620286"/>
             <a:ext cx="1707678" cy="504056"/>
           </a:xfrm>
           <a:prstGeom prst="roundRect">
@@ -3717,7 +3717,7 @@
         </p:nvSpPr>
         <p:spPr>
           <a:xfrm>
-            <a:off x="2001259" y="4594869"/>
+            <a:off x="1475656" y="4362219"/>
             <a:ext cx="1370302" cy="504056"/>
           </a:xfrm>
           <a:prstGeom prst="roundRect">
@@ -3780,7 +3780,7 @@
         </p:nvSpPr>
         <p:spPr>
           <a:xfrm>
-            <a:off x="5024562" y="4725144"/>
+            <a:off x="4742064" y="4492494"/>
             <a:ext cx="1370302" cy="504056"/>
           </a:xfrm>
           <a:prstGeom prst="roundRect">
@@ -3843,7 +3843,7 @@
         </p:nvSpPr>
         <p:spPr>
           <a:xfrm>
-            <a:off x="7452320" y="5085184"/>
+            <a:off x="7169822" y="4852534"/>
             <a:ext cx="1370302" cy="504056"/>
           </a:xfrm>
           <a:prstGeom prst="roundRect">
@@ -3928,7 +3928,7 @@
         </p:nvSpPr>
         <p:spPr>
           <a:xfrm>
-            <a:off x="7452319" y="5715707"/>
+            <a:off x="7169821" y="5483057"/>
             <a:ext cx="1370302" cy="504056"/>
           </a:xfrm>
           <a:prstGeom prst="roundRect">
@@ -4013,7 +4013,7 @@
         </p:nvSpPr>
         <p:spPr>
           <a:xfrm>
-            <a:off x="3766718" y="2721694"/>
+            <a:off x="3728880" y="2489044"/>
             <a:ext cx="627096" cy="923330"/>
           </a:xfrm>
           <a:prstGeom prst="rect">
@@ -4126,7 +4126,7 @@
         </p:nvSpPr>
         <p:spPr>
           <a:xfrm>
-            <a:off x="3418406" y="3645024"/>
+            <a:off x="3135908" y="3412374"/>
             <a:ext cx="649538" cy="923330"/>
           </a:xfrm>
           <a:prstGeom prst="rect">
@@ -4239,7 +4239,7 @@
         </p:nvSpPr>
         <p:spPr>
           <a:xfrm>
-            <a:off x="4157764" y="3645024"/>
+            <a:off x="3875266" y="3412374"/>
             <a:ext cx="853119" cy="923330"/>
           </a:xfrm>
           <a:prstGeom prst="rect">
@@ -4352,7 +4352,7 @@
         </p:nvSpPr>
         <p:spPr>
           <a:xfrm>
-            <a:off x="463449" y="2147767"/>
+            <a:off x="180951" y="1915117"/>
             <a:ext cx="1160319" cy="400110"/>
           </a:xfrm>
           <a:prstGeom prst="rect">
@@ -4465,7 +4465,7 @@
         </p:nvSpPr>
         <p:spPr>
           <a:xfrm>
-            <a:off x="390002" y="4779150"/>
+            <a:off x="35496" y="4397042"/>
             <a:ext cx="1339854" cy="400110"/>
           </a:xfrm>
           <a:prstGeom prst="rect">
@@ -4572,124 +4572,14 @@
       </p:sp>
       <p:sp>
         <p:nvSpPr>
-          <p:cNvPr id="29" name="직사각형 28"/>
-          <p:cNvSpPr/>
-          <p:nvPr/>
-        </p:nvSpPr>
-        <p:spPr>
-          <a:xfrm>
-            <a:off x="1635035" y="74024"/>
-            <a:ext cx="5998117" cy="769441"/>
-          </a:xfrm>
-          <a:prstGeom prst="rect">
-            <a:avLst/>
-          </a:prstGeom>
-          <a:noFill/>
-        </p:spPr>
-        <p:txBody>
-          <a:bodyPr wrap="none" lIns="91440" tIns="45720" rIns="91440" bIns="45720">
-            <a:spAutoFit/>
-            <a:scene3d>
-              <a:camera prst="orthographicFront"/>
-              <a:lightRig rig="brightRoom" dir="t"/>
-            </a:scene3d>
-            <a:sp3d contourW="6350" prstMaterial="plastic">
-              <a:bevelT w="20320" h="20320" prst="angle"/>
-              <a:contourClr>
-                <a:schemeClr val="accent1">
-                  <a:tint val="100000"/>
-                  <a:shade val="100000"/>
-                  <a:hueMod val="100000"/>
-                  <a:satMod val="100000"/>
-                </a:schemeClr>
-              </a:contourClr>
-            </a:sp3d>
-          </a:bodyPr>
-          <a:lstStyle/>
-          <a:p>
-            <a:pPr algn="ctr"/>
-            <a:r>
-              <a:rPr lang="en-US" altLang="ko-KR" sz="4400" b="1" cap="all" dirty="0" smtClean="0">
-                <a:ln/>
-                <a:solidFill>
-                  <a:schemeClr val="accent1"/>
-                </a:solidFill>
-                <a:effectLst>
-                  <a:outerShdw blurRad="19685" dist="12700" dir="5400000" algn="tl" rotWithShape="0">
-                    <a:schemeClr val="accent1">
-                      <a:satMod val="130000"/>
-                      <a:alpha val="60000"/>
-                    </a:schemeClr>
-                  </a:outerShdw>
-                  <a:reflection blurRad="10000" stA="55000" endPos="48000" dist="500" dir="5400000" sy="-100000" algn="bl" rotWithShape="0"/>
-                </a:effectLst>
-              </a:rPr>
-              <a:t>Spring </a:t>
-            </a:r>
-            <a:r>
-              <a:rPr lang="en-US" altLang="ko-KR" sz="4400" b="1" cap="all" dirty="0" err="1" smtClean="0">
-                <a:ln/>
-                <a:solidFill>
-                  <a:schemeClr val="accent1"/>
-                </a:solidFill>
-                <a:effectLst>
-                  <a:outerShdw blurRad="19685" dist="12700" dir="5400000" algn="tl" rotWithShape="0">
-                    <a:schemeClr val="accent1">
-                      <a:satMod val="130000"/>
-                      <a:alpha val="60000"/>
-                    </a:schemeClr>
-                  </a:outerShdw>
-                  <a:reflection blurRad="10000" stA="55000" endPos="48000" dist="500" dir="5400000" sy="-100000" algn="bl" rotWithShape="0"/>
-                </a:effectLst>
-              </a:rPr>
-              <a:t>Mvc</a:t>
-            </a:r>
-            <a:r>
-              <a:rPr lang="en-US" altLang="ko-KR" sz="4400" b="1" cap="all" dirty="0" smtClean="0">
-                <a:ln/>
-                <a:solidFill>
-                  <a:schemeClr val="accent1"/>
-                </a:solidFill>
-                <a:effectLst>
-                  <a:outerShdw blurRad="19685" dist="12700" dir="5400000" algn="tl" rotWithShape="0">
-                    <a:schemeClr val="accent1">
-                      <a:satMod val="130000"/>
-                      <a:alpha val="60000"/>
-                    </a:schemeClr>
-                  </a:outerShdw>
-                  <a:reflection blurRad="10000" stA="55000" endPos="48000" dist="500" dir="5400000" sy="-100000" algn="bl" rotWithShape="0"/>
-                </a:effectLst>
-              </a:rPr>
-              <a:t> + etc…</a:t>
-            </a:r>
-            <a:endParaRPr lang="en-US" altLang="ko-KR" sz="4400" b="1" cap="all" spc="0" dirty="0">
-              <a:ln/>
-              <a:solidFill>
-                <a:schemeClr val="accent1"/>
-              </a:solidFill>
-              <a:effectLst>
-                <a:outerShdw blurRad="19685" dist="12700" dir="5400000" algn="tl" rotWithShape="0">
-                  <a:schemeClr val="accent1">
-                    <a:satMod val="130000"/>
-                    <a:alpha val="60000"/>
-                  </a:schemeClr>
-                </a:outerShdw>
-                <a:reflection blurRad="10000" stA="55000" endPos="48000" dist="500" dir="5400000" sy="-100000" algn="bl" rotWithShape="0"/>
-              </a:effectLst>
-            </a:endParaRPr>
-          </a:p>
-        </p:txBody>
-      </p:sp>
-      <p:sp>
-        <p:nvSpPr>
           <p:cNvPr id="32" name="왼쪽/오른쪽 화살표 31"/>
           <p:cNvSpPr/>
           <p:nvPr/>
         </p:nvSpPr>
         <p:spPr>
-          <a:xfrm rot="18951883">
-            <a:off x="3467873" y="1492683"/>
-            <a:ext cx="596520" cy="252028"/>
+          <a:xfrm rot="19897864">
+            <a:off x="2869595" y="1256355"/>
+            <a:ext cx="912140" cy="217869"/>
           </a:xfrm>
           <a:prstGeom prst="leftRightArrow">
             <a:avLst/>
@@ -4744,8 +4634,8 @@
         </p:nvSpPr>
         <p:spPr>
           <a:xfrm>
-            <a:off x="3441906" y="1970837"/>
-            <a:ext cx="596520" cy="252028"/>
+            <a:off x="2976125" y="1738187"/>
+            <a:ext cx="779803" cy="252028"/>
           </a:xfrm>
           <a:prstGeom prst="leftRightArrow">
             <a:avLst/>
@@ -4800,7 +4690,7 @@
         </p:nvSpPr>
         <p:spPr>
           <a:xfrm rot="18761435">
-            <a:off x="5718873" y="1694849"/>
+            <a:off x="5436375" y="1462199"/>
             <a:ext cx="518471" cy="252028"/>
           </a:xfrm>
           <a:prstGeom prst="rightArrow">
@@ -4840,7 +4730,7 @@
         </p:nvSpPr>
         <p:spPr>
           <a:xfrm>
-            <a:off x="7166562" y="1628800"/>
+            <a:off x="6884064" y="1396150"/>
             <a:ext cx="328694" cy="360040"/>
           </a:xfrm>
           <a:prstGeom prst="downArrow">
@@ -4880,7 +4770,7 @@
         </p:nvSpPr>
         <p:spPr>
           <a:xfrm>
-            <a:off x="7166562" y="2492896"/>
+            <a:off x="6884064" y="2260246"/>
             <a:ext cx="328694" cy="360040"/>
           </a:xfrm>
           <a:prstGeom prst="downArrow">
@@ -4920,7 +4810,7 @@
         </p:nvSpPr>
         <p:spPr>
           <a:xfrm>
-            <a:off x="1979712" y="2721694"/>
+            <a:off x="1475656" y="2708920"/>
             <a:ext cx="1370302" cy="504056"/>
           </a:xfrm>
           <a:prstGeom prst="roundRect">
@@ -4988,7 +4878,7 @@
         </p:nvSpPr>
         <p:spPr>
           <a:xfrm rot="2339649">
-            <a:off x="6082157" y="3465002"/>
+            <a:off x="5799659" y="3232352"/>
             <a:ext cx="328694" cy="1103350"/>
           </a:xfrm>
           <a:prstGeom prst="downArrow">
@@ -5028,7 +4918,7 @@
         </p:nvSpPr>
         <p:spPr>
           <a:xfrm rot="16200000">
-            <a:off x="6777039" y="4613951"/>
+            <a:off x="6494541" y="4381301"/>
             <a:ext cx="328694" cy="779051"/>
           </a:xfrm>
           <a:prstGeom prst="downArrow">
@@ -5068,7 +4958,7 @@
         </p:nvSpPr>
         <p:spPr>
           <a:xfrm>
-            <a:off x="7462033" y="3854661"/>
+            <a:off x="7179535" y="3622011"/>
             <a:ext cx="1370302" cy="504056"/>
           </a:xfrm>
           <a:prstGeom prst="roundRect">
@@ -5136,7 +5026,7 @@
         </p:nvSpPr>
         <p:spPr>
           <a:xfrm>
-            <a:off x="7452319" y="4475149"/>
+            <a:off x="7169821" y="4242499"/>
             <a:ext cx="1370302" cy="504056"/>
           </a:xfrm>
           <a:prstGeom prst="roundRect">
@@ -5193,7 +5083,53 @@
         </p:nvSpPr>
         <p:spPr>
           <a:xfrm rot="2339649">
-            <a:off x="3594988" y="2289352"/>
+            <a:off x="3180064" y="2009815"/>
+            <a:ext cx="290354" cy="1278198"/>
+          </a:xfrm>
+          <a:prstGeom prst="downArrow">
+            <a:avLst/>
+          </a:prstGeom>
+          <a:solidFill>
+            <a:schemeClr val="accent3">
+              <a:lumMod val="20000"/>
+              <a:lumOff val="80000"/>
+            </a:schemeClr>
+          </a:solidFill>
+        </p:spPr>
+        <p:style>
+          <a:lnRef idx="2">
+            <a:schemeClr val="accent1">
+              <a:shade val="50000"/>
+            </a:schemeClr>
+          </a:lnRef>
+          <a:fillRef idx="1">
+            <a:schemeClr val="accent1"/>
+          </a:fillRef>
+          <a:effectRef idx="0">
+            <a:schemeClr val="accent1"/>
+          </a:effectRef>
+          <a:fontRef idx="minor">
+            <a:schemeClr val="lt1"/>
+          </a:fontRef>
+        </p:style>
+        <p:txBody>
+          <a:bodyPr rtlCol="0" anchor="ctr"/>
+          <a:lstStyle/>
+          <a:p>
+            <a:pPr algn="ctr"/>
+            <a:endParaRPr lang="ko-KR" altLang="en-US"/>
+          </a:p>
+        </p:txBody>
+      </p:sp>
+      <p:sp>
+        <p:nvSpPr>
+          <p:cNvPr id="44" name="아래쪽 화살표 43"/>
+          <p:cNvSpPr/>
+          <p:nvPr/>
+        </p:nvSpPr>
+        <p:spPr>
+          <a:xfrm>
+            <a:off x="1979712" y="3363798"/>
             <a:ext cx="290354" cy="857290"/>
           </a:xfrm>
           <a:prstGeom prst="downArrow">
@@ -5233,14 +5169,14 @@
       </p:sp>
       <p:sp>
         <p:nvSpPr>
-          <p:cNvPr id="44" name="아래쪽 화살표 43"/>
+          <p:cNvPr id="35" name="아래쪽 화살표 34"/>
           <p:cNvSpPr/>
           <p:nvPr/>
         </p:nvSpPr>
         <p:spPr>
-          <a:xfrm>
-            <a:off x="2507444" y="3426016"/>
-            <a:ext cx="290354" cy="857290"/>
+          <a:xfrm rot="9913130">
+            <a:off x="4807975" y="2351780"/>
+            <a:ext cx="290354" cy="2003470"/>
           </a:xfrm>
           <a:prstGeom prst="downArrow">
             <a:avLst/>
@@ -5274,6 +5210,94 @@
           <a:p>
             <a:pPr algn="ctr"/>
             <a:endParaRPr lang="ko-KR" altLang="en-US"/>
+          </a:p>
+        </p:txBody>
+      </p:sp>
+      <p:sp>
+        <p:nvSpPr>
+          <p:cNvPr id="2" name="타원 1"/>
+          <p:cNvSpPr/>
+          <p:nvPr/>
+        </p:nvSpPr>
+        <p:spPr>
+          <a:xfrm>
+            <a:off x="4593111" y="3083178"/>
+            <a:ext cx="720081" cy="504055"/>
+          </a:xfrm>
+          <a:prstGeom prst="ellipse">
+            <a:avLst/>
+          </a:prstGeom>
+        </p:spPr>
+        <p:style>
+          <a:lnRef idx="2">
+            <a:schemeClr val="accent1">
+              <a:shade val="50000"/>
+            </a:schemeClr>
+          </a:lnRef>
+          <a:fillRef idx="1">
+            <a:schemeClr val="accent1"/>
+          </a:fillRef>
+          <a:effectRef idx="0">
+            <a:schemeClr val="accent1"/>
+          </a:effectRef>
+          <a:fontRef idx="minor">
+            <a:schemeClr val="lt1"/>
+          </a:fontRef>
+        </p:style>
+        <p:txBody>
+          <a:bodyPr rtlCol="0" anchor="ctr"/>
+          <a:lstStyle/>
+          <a:p>
+            <a:pPr algn="ctr"/>
+            <a:r>
+              <a:rPr lang="en-US" altLang="ko-KR" sz="1200" dirty="0" smtClean="0"/>
+              <a:t>Data</a:t>
+            </a:r>
+            <a:endParaRPr lang="ko-KR" altLang="en-US" sz="1200" dirty="0"/>
+          </a:p>
+        </p:txBody>
+      </p:sp>
+      <p:sp>
+        <p:nvSpPr>
+          <p:cNvPr id="45" name="타원 44"/>
+          <p:cNvSpPr/>
+          <p:nvPr/>
+        </p:nvSpPr>
+        <p:spPr>
+          <a:xfrm>
+            <a:off x="2976125" y="2355514"/>
+            <a:ext cx="803787" cy="504055"/>
+          </a:xfrm>
+          <a:prstGeom prst="ellipse">
+            <a:avLst/>
+          </a:prstGeom>
+        </p:spPr>
+        <p:style>
+          <a:lnRef idx="2">
+            <a:schemeClr val="accent1">
+              <a:shade val="50000"/>
+            </a:schemeClr>
+          </a:lnRef>
+          <a:fillRef idx="1">
+            <a:schemeClr val="accent1"/>
+          </a:fillRef>
+          <a:effectRef idx="0">
+            <a:schemeClr val="accent1"/>
+          </a:effectRef>
+          <a:fontRef idx="minor">
+            <a:schemeClr val="lt1"/>
+          </a:fontRef>
+        </p:style>
+        <p:txBody>
+          <a:bodyPr rtlCol="0" anchor="ctr"/>
+          <a:lstStyle/>
+          <a:p>
+            <a:pPr algn="ctr"/>
+            <a:r>
+              <a:rPr lang="en-US" altLang="ko-KR" sz="1200" dirty="0" smtClean="0"/>
+              <a:t>JSON</a:t>
+            </a:r>
+            <a:endParaRPr lang="ko-KR" altLang="en-US" sz="1200" dirty="0"/>
           </a:p>
         </p:txBody>
       </p:sp>
